--- a/Documentation/Demonstration/Demo - Final.pptx
+++ b/Documentation/Demonstration/Demo - Final.pptx
@@ -9159,15 +9159,6 @@
               <a:t>Demo</a:t>
             </a:r>
           </a:p>
-          <a:p>
-            <a:pPr algn="ctr"/>
-            <a:r>
-              <a:rPr lang="en-GB" sz="4000" dirty="0">
-                <a:latin typeface="Source Sans Pro Light" panose="020B0403030403020204" pitchFamily="34" charset="0"/>
-              </a:rPr>
-              <a:t>(may include the staging link..)</a:t>
-            </a:r>
-          </a:p>
         </p:txBody>
       </p:sp>
       <p:pic>
@@ -9280,67 +9271,6 @@
                                           <p:spTgt spid="37">
                                             <p:txEl>
                                               <p:pRg st="0" end="0"/>
-                                            </p:txEl>
-                                          </p:spTgt>
-                                        </p:tgtEl>
-                                      </p:cBhvr>
-                                    </p:animEffect>
-                                  </p:childTnLst>
-                                </p:cTn>
-                              </p:par>
-                            </p:childTnLst>
-                          </p:cTn>
-                        </p:par>
-                      </p:childTnLst>
-                    </p:cTn>
-                  </p:par>
-                  <p:par>
-                    <p:cTn id="8" fill="hold">
-                      <p:stCondLst>
-                        <p:cond delay="indefinite"/>
-                      </p:stCondLst>
-                      <p:childTnLst>
-                        <p:par>
-                          <p:cTn id="9" fill="hold">
-                            <p:stCondLst>
-                              <p:cond delay="0"/>
-                            </p:stCondLst>
-                            <p:childTnLst>
-                              <p:par>
-                                <p:cTn id="10" presetID="18" presetClass="entr" presetSubtype="6" fill="hold" grpId="0" nodeType="clickEffect">
-                                  <p:stCondLst>
-                                    <p:cond delay="0"/>
-                                  </p:stCondLst>
-                                  <p:childTnLst>
-                                    <p:set>
-                                      <p:cBhvr>
-                                        <p:cTn id="11" dur="1" fill="hold">
-                                          <p:stCondLst>
-                                            <p:cond delay="0"/>
-                                          </p:stCondLst>
-                                        </p:cTn>
-                                        <p:tgtEl>
-                                          <p:spTgt spid="37">
-                                            <p:txEl>
-                                              <p:pRg st="1" end="1"/>
-                                            </p:txEl>
-                                          </p:spTgt>
-                                        </p:tgtEl>
-                                        <p:attrNameLst>
-                                          <p:attrName>style.visibility</p:attrName>
-                                        </p:attrNameLst>
-                                      </p:cBhvr>
-                                      <p:to>
-                                        <p:strVal val="visible"/>
-                                      </p:to>
-                                    </p:set>
-                                    <p:animEffect transition="in" filter="strips(downRight)">
-                                      <p:cBhvr>
-                                        <p:cTn id="12" dur="500"/>
-                                        <p:tgtEl>
-                                          <p:spTgt spid="37">
-                                            <p:txEl>
-                                              <p:pRg st="1" end="1"/>
                                             </p:txEl>
                                           </p:spTgt>
                                         </p:tgtEl>
@@ -10266,7 +10196,7 @@
         </p:blipFill>
         <p:spPr>
           <a:xfrm>
-            <a:off x="606127" y="2146557"/>
+            <a:off x="588850" y="2145591"/>
             <a:ext cx="1731600" cy="1731600"/>
           </a:xfrm>
           <a:prstGeom prst="rect">
@@ -10345,7 +10275,7 @@
       </p:pic>
       <p:pic>
         <p:nvPicPr>
-          <p:cNvPr id="13" name="Picture 12"/>
+          <p:cNvPr id="3" name="Picture 2"/>
           <p:cNvPicPr>
             <a:picLocks noChangeAspect="1"/>
           </p:cNvPicPr>
@@ -10365,7 +10295,7 @@
         </p:blipFill>
         <p:spPr>
           <a:xfrm>
-            <a:off x="10138881" y="2146074"/>
+            <a:off x="10047640" y="2145591"/>
             <a:ext cx="1731600" cy="1731600"/>
           </a:xfrm>
           <a:prstGeom prst="rect">
@@ -10976,7 +10906,7 @@
           <a:p>
             <a:pPr lvl="0"/>
             <a:r>
-              <a:rPr lang="en-GB" sz="1800" dirty="0">
+              <a:rPr lang="en-GB" sz="2000" dirty="0">
                 <a:latin typeface="Raleway" panose="020B0003030101060003" pitchFamily="34" charset="0"/>
               </a:rPr>
               <a:t>Global Rugby Network</a:t>
@@ -11020,8 +10950,8 @@
         </p:nvSpPr>
         <p:spPr>
           <a:xfrm flipV="1">
-            <a:off x="6096000" y="2359919"/>
-            <a:ext cx="1" cy="2743200"/>
+            <a:off x="6086764" y="2359919"/>
+            <a:ext cx="9237" cy="3144954"/>
           </a:xfrm>
           <a:prstGeom prst="line">
             <a:avLst/>
@@ -11090,7 +11020,7 @@
         </p:spPr>
         <p:txBody>
           <a:bodyPr>
-            <a:normAutofit/>
+            <a:noAutofit/>
           </a:bodyPr>
           <a:lstStyle/>
           <a:p>
@@ -11102,7 +11032,7 @@
               <a:buChar char="•"/>
             </a:pPr>
             <a:r>
-              <a:rPr lang="en-GB" sz="1100" dirty="0">
+              <a:rPr lang="en-GB" sz="1200" dirty="0">
                 <a:solidFill>
                   <a:schemeClr val="tx1">
                     <a:lumMod val="75000"/>
@@ -11122,7 +11052,7 @@
               <a:buChar char="•"/>
             </a:pPr>
             <a:r>
-              <a:rPr lang="en-GB" sz="1100" dirty="0">
+              <a:rPr lang="en-GB" sz="1200" dirty="0">
                 <a:solidFill>
                   <a:schemeClr val="tx1">
                     <a:lumMod val="75000"/>
@@ -11142,7 +11072,7 @@
               <a:buChar char="•"/>
             </a:pPr>
             <a:r>
-              <a:rPr lang="en-GB" sz="1100" dirty="0">
+              <a:rPr lang="en-GB" sz="1200" dirty="0">
                 <a:solidFill>
                   <a:schemeClr val="tx1">
                     <a:lumMod val="75000"/>
@@ -11162,7 +11092,7 @@
               <a:buChar char="•"/>
             </a:pPr>
             <a:r>
-              <a:rPr lang="en-GB" sz="1100" dirty="0">
+              <a:rPr lang="en-GB" sz="1200" dirty="0">
                 <a:solidFill>
                   <a:schemeClr val="tx1">
                     <a:lumMod val="75000"/>
@@ -11182,7 +11112,7 @@
               <a:buChar char="•"/>
             </a:pPr>
             <a:r>
-              <a:rPr lang="en-GB" sz="1100" dirty="0">
+              <a:rPr lang="en-GB" sz="1200" dirty="0">
                 <a:solidFill>
                   <a:schemeClr val="tx1">
                     <a:lumMod val="75000"/>
@@ -11202,7 +11132,7 @@
               <a:buChar char="•"/>
             </a:pPr>
             <a:r>
-              <a:rPr lang="en-GB" sz="1100" dirty="0">
+              <a:rPr lang="en-GB" sz="1200" dirty="0">
                 <a:solidFill>
                   <a:schemeClr val="tx1">
                     <a:lumMod val="75000"/>
@@ -11933,7 +11863,7 @@
           <a:p>
             <a:pPr lvl="0"/>
             <a:r>
-              <a:rPr lang="en-GB" sz="1800" dirty="0">
+              <a:rPr lang="en-GB" sz="2000" dirty="0">
                 <a:latin typeface="Raleway" panose="020B0003030101060003" pitchFamily="34" charset="0"/>
               </a:rPr>
               <a:t>FanZone – An Online Rugby Platform</a:t>
@@ -12059,7 +11989,7 @@
               <a:buChar char="•"/>
             </a:pPr>
             <a:r>
-              <a:rPr lang="en-GB" sz="1100" dirty="0">
+              <a:rPr lang="en-GB" sz="1200" dirty="0">
                 <a:solidFill>
                   <a:schemeClr val="tx1">
                     <a:lumMod val="75000"/>
@@ -12079,7 +12009,7 @@
               <a:buChar char="•"/>
             </a:pPr>
             <a:r>
-              <a:rPr lang="en-GB" sz="1100" dirty="0">
+              <a:rPr lang="en-GB" sz="1200" dirty="0">
                 <a:solidFill>
                   <a:schemeClr val="tx1">
                     <a:lumMod val="75000"/>
@@ -12099,7 +12029,7 @@
               <a:buChar char="•"/>
             </a:pPr>
             <a:r>
-              <a:rPr lang="en-GB" sz="1100" dirty="0">
+              <a:rPr lang="en-GB" sz="1200" dirty="0">
                 <a:solidFill>
                   <a:schemeClr val="tx1">
                     <a:lumMod val="75000"/>
@@ -12119,7 +12049,7 @@
               <a:buChar char="•"/>
             </a:pPr>
             <a:r>
-              <a:rPr lang="en-GB" sz="1100" dirty="0">
+              <a:rPr lang="en-GB" sz="1200" dirty="0">
                 <a:solidFill>
                   <a:schemeClr val="tx1">
                     <a:lumMod val="75000"/>
@@ -12139,7 +12069,7 @@
               <a:buChar char="•"/>
             </a:pPr>
             <a:r>
-              <a:rPr lang="en-GB" sz="1100" dirty="0">
+              <a:rPr lang="en-GB" sz="1200" dirty="0">
                 <a:solidFill>
                   <a:schemeClr val="tx1">
                     <a:lumMod val="75000"/>
@@ -13521,7 +13451,7 @@
         <p:spPr>
           <a:xfrm>
             <a:off x="1822498" y="2400784"/>
-            <a:ext cx="2146545" cy="307777"/>
+            <a:ext cx="2146545" cy="338554"/>
           </a:xfrm>
           <a:prstGeom prst="rect">
             <a:avLst/>
@@ -13552,7 +13482,7 @@
               <a:defRPr/>
             </a:pPr>
             <a:r>
-              <a:rPr kumimoji="0" lang="en-GB" sz="1400" b="0" i="0" u="none" strike="noStrike" kern="1200" cap="none" spc="0" normalizeH="0" baseline="0" noProof="0" dirty="0">
+              <a:rPr kumimoji="0" lang="en-GB" sz="1600" b="0" i="0" u="none" strike="noStrike" kern="1200" cap="none" spc="0" normalizeH="0" baseline="0" noProof="0" dirty="0">
                 <a:ln>
                   <a:noFill/>
                 </a:ln>
@@ -13583,7 +13513,7 @@
         <p:spPr>
           <a:xfrm>
             <a:off x="5429838" y="2400784"/>
-            <a:ext cx="2146545" cy="307777"/>
+            <a:ext cx="2146545" cy="338554"/>
           </a:xfrm>
           <a:prstGeom prst="rect">
             <a:avLst/>
@@ -13614,7 +13544,7 @@
               <a:defRPr/>
             </a:pPr>
             <a:r>
-              <a:rPr lang="en-GB" sz="1400" dirty="0">
+              <a:rPr lang="en-GB" sz="1600" dirty="0">
                 <a:solidFill>
                   <a:prstClr val="black">
                     <a:lumMod val="65000"/>
@@ -13625,7 +13555,7 @@
               </a:rPr>
               <a:t>Searching</a:t>
             </a:r>
-            <a:endParaRPr kumimoji="0" lang="en-GB" sz="1400" b="0" i="0" u="none" strike="noStrike" kern="1200" cap="none" spc="0" normalizeH="0" baseline="0" noProof="0" dirty="0">
+            <a:endParaRPr kumimoji="0" lang="en-GB" sz="1600" b="0" i="0" u="none" strike="noStrike" kern="1200" cap="none" spc="0" normalizeH="0" baseline="0" noProof="0" dirty="0">
               <a:ln>
                 <a:noFill/>
               </a:ln>
@@ -13654,7 +13584,7 @@
         <p:spPr>
           <a:xfrm>
             <a:off x="8431735" y="2400784"/>
-            <a:ext cx="2146545" cy="307777"/>
+            <a:ext cx="2146545" cy="338554"/>
           </a:xfrm>
           <a:prstGeom prst="rect">
             <a:avLst/>
@@ -13685,7 +13615,7 @@
               <a:defRPr/>
             </a:pPr>
             <a:r>
-              <a:rPr lang="en-GB" sz="1400" dirty="0">
+              <a:rPr lang="en-GB" sz="1600" dirty="0">
                 <a:solidFill>
                   <a:prstClr val="black">
                     <a:lumMod val="65000"/>
@@ -13696,7 +13626,7 @@
               </a:rPr>
               <a:t>Follow/Unfollow</a:t>
             </a:r>
-            <a:endParaRPr kumimoji="0" lang="en-GB" sz="1400" b="0" i="0" u="none" strike="noStrike" kern="1200" cap="none" spc="0" normalizeH="0" baseline="0" noProof="0" dirty="0">
+            <a:endParaRPr kumimoji="0" lang="en-GB" sz="1600" b="0" i="0" u="none" strike="noStrike" kern="1200" cap="none" spc="0" normalizeH="0" baseline="0" noProof="0" dirty="0">
               <a:ln>
                 <a:noFill/>
               </a:ln>
@@ -13845,7 +13775,7 @@
         <p:spPr>
           <a:xfrm>
             <a:off x="451790" y="4374670"/>
-            <a:ext cx="1891345" cy="307777"/>
+            <a:ext cx="1891345" cy="338554"/>
           </a:xfrm>
           <a:prstGeom prst="rect">
             <a:avLst/>
@@ -13860,7 +13790,7 @@
           <a:p>
             <a:pPr algn="ctr"/>
             <a:r>
-              <a:rPr lang="en-GB" sz="1400" dirty="0">
+              <a:rPr lang="en-GB" sz="1600" dirty="0">
                 <a:solidFill>
                   <a:prstClr val="black">
                     <a:lumMod val="65000"/>
@@ -13913,7 +13843,7 @@
         <p:spPr>
           <a:xfrm>
             <a:off x="4021526" y="4374668"/>
-            <a:ext cx="2115684" cy="307777"/>
+            <a:ext cx="2115684" cy="338554"/>
           </a:xfrm>
           <a:prstGeom prst="rect">
             <a:avLst/>
@@ -13928,7 +13858,7 @@
           <a:p>
             <a:pPr algn="ctr"/>
             <a:r>
-              <a:rPr lang="en-GB" sz="1400" dirty="0">
+              <a:rPr lang="en-GB" sz="1600" dirty="0">
                 <a:solidFill>
                   <a:prstClr val="black">
                     <a:lumMod val="65000"/>
@@ -13981,7 +13911,7 @@
         <p:spPr>
           <a:xfrm>
             <a:off x="7197737" y="4374669"/>
-            <a:ext cx="1994780" cy="307777"/>
+            <a:ext cx="1994780" cy="338554"/>
           </a:xfrm>
           <a:prstGeom prst="rect">
             <a:avLst/>
@@ -13996,7 +13926,7 @@
           <a:p>
             <a:pPr algn="ctr"/>
             <a:r>
-              <a:rPr lang="en-GB" sz="1400" dirty="0">
+              <a:rPr lang="en-GB" sz="1600" dirty="0">
                 <a:solidFill>
                   <a:prstClr val="black">
                     <a:lumMod val="65000"/>
@@ -14998,7 +14928,7 @@
         <p:spPr>
           <a:xfrm>
             <a:off x="732349" y="2930978"/>
-            <a:ext cx="2146545" cy="307777"/>
+            <a:ext cx="2146545" cy="369332"/>
           </a:xfrm>
           <a:prstGeom prst="rect">
             <a:avLst/>
@@ -15013,7 +14943,7 @@
           <a:p>
             <a:pPr algn="ctr"/>
             <a:r>
-              <a:rPr lang="en-GB" sz="1400" dirty="0">
+              <a:rPr lang="en-GB" dirty="0">
                 <a:solidFill>
                   <a:schemeClr val="tx1">
                     <a:lumMod val="65000"/>
@@ -15066,7 +14996,7 @@
         <p:spPr>
           <a:xfrm>
             <a:off x="8157699" y="2930474"/>
-            <a:ext cx="2146545" cy="307777"/>
+            <a:ext cx="2146545" cy="369332"/>
           </a:xfrm>
           <a:prstGeom prst="rect">
             <a:avLst/>
@@ -15081,7 +15011,7 @@
           <a:p>
             <a:pPr algn="ctr"/>
             <a:r>
-              <a:rPr lang="en-GB" sz="1400" dirty="0">
+              <a:rPr lang="en-GB" dirty="0">
                 <a:solidFill>
                   <a:schemeClr val="tx1">
                     <a:lumMod val="65000"/>
@@ -15104,7 +15034,7 @@
         <p:spPr>
           <a:xfrm>
             <a:off x="732348" y="5019108"/>
-            <a:ext cx="2146545" cy="307777"/>
+            <a:ext cx="2146545" cy="369332"/>
           </a:xfrm>
           <a:prstGeom prst="rect">
             <a:avLst/>
@@ -15119,7 +15049,7 @@
           <a:p>
             <a:pPr algn="ctr"/>
             <a:r>
-              <a:rPr lang="en-GB" sz="1400" dirty="0">
+              <a:rPr lang="en-GB" dirty="0">
                 <a:solidFill>
                   <a:schemeClr val="tx1">
                     <a:lumMod val="65000"/>
@@ -15142,7 +15072,7 @@
         <p:spPr>
           <a:xfrm>
             <a:off x="8157698" y="5019108"/>
-            <a:ext cx="2146545" cy="307777"/>
+            <a:ext cx="2146545" cy="369332"/>
           </a:xfrm>
           <a:prstGeom prst="rect">
             <a:avLst/>
@@ -15157,7 +15087,7 @@
           <a:p>
             <a:pPr algn="ctr"/>
             <a:r>
-              <a:rPr lang="en-GB" sz="1400" dirty="0">
+              <a:rPr lang="en-GB" dirty="0">
                 <a:solidFill>
                   <a:schemeClr val="tx1">
                     <a:lumMod val="65000"/>
@@ -21993,8 +21923,8 @@
         </p:nvSpPr>
         <p:spPr>
           <a:xfrm>
-            <a:off x="616452" y="2823143"/>
-            <a:ext cx="2756911" cy="1617953"/>
+            <a:off x="649318" y="2778323"/>
+            <a:ext cx="3466021" cy="2312275"/>
           </a:xfrm>
           <a:prstGeom prst="rect">
             <a:avLst/>
@@ -22026,8 +21956,8 @@
         </p:nvSpPr>
         <p:spPr>
           <a:xfrm>
-            <a:off x="616634" y="2819818"/>
-            <a:ext cx="2756545" cy="590688"/>
+            <a:off x="638826" y="2784304"/>
+            <a:ext cx="3465561" cy="844174"/>
           </a:xfrm>
           <a:prstGeom prst="rect">
             <a:avLst/>
@@ -22058,8 +21988,8 @@
         </p:nvSpPr>
         <p:spPr>
           <a:xfrm>
-            <a:off x="616269" y="2817187"/>
-            <a:ext cx="2756910" cy="593319"/>
+            <a:off x="638461" y="2781673"/>
+            <a:ext cx="3466020" cy="847934"/>
           </a:xfrm>
           <a:prstGeom prst="rect">
             <a:avLst/>
@@ -22264,8 +22194,8 @@
         </p:nvSpPr>
         <p:spPr bwMode="auto">
           <a:xfrm>
-            <a:off x="895197" y="3636426"/>
-            <a:ext cx="128588" cy="109538"/>
+            <a:off x="928353" y="3712359"/>
+            <a:ext cx="161662" cy="156545"/>
           </a:xfrm>
           <a:custGeom>
             <a:avLst/>
@@ -22383,8 +22313,8 @@
         </p:nvSpPr>
         <p:spPr bwMode="auto">
           <a:xfrm>
-            <a:off x="895197" y="3920588"/>
-            <a:ext cx="128588" cy="109538"/>
+            <a:off x="911235" y="4030126"/>
+            <a:ext cx="161662" cy="156545"/>
           </a:xfrm>
           <a:custGeom>
             <a:avLst/>
@@ -22488,7 +22418,7 @@
           </a:bodyPr>
           <a:lstStyle/>
           <a:p>
-            <a:endParaRPr lang="en-GB"/>
+            <a:endParaRPr lang="en-GB" dirty="0"/>
           </a:p>
         </p:txBody>
       </p:sp>
@@ -22502,8 +22432,8 @@
         </p:nvSpPr>
         <p:spPr>
           <a:xfrm>
-            <a:off x="1235887" y="3511250"/>
-            <a:ext cx="1889419" cy="1338025"/>
+            <a:off x="1465080" y="3691195"/>
+            <a:ext cx="2375400" cy="1912220"/>
           </a:xfrm>
           <a:prstGeom prst="rect">
             <a:avLst/>
@@ -22653,8 +22583,8 @@
         </p:nvSpPr>
         <p:spPr>
           <a:xfrm>
-            <a:off x="2809531" y="2976325"/>
-            <a:ext cx="375827" cy="249727"/>
+            <a:off x="2831723" y="2940811"/>
+            <a:ext cx="472494" cy="356894"/>
           </a:xfrm>
           <a:custGeom>
             <a:avLst/>
@@ -22825,8 +22755,8 @@
         </p:nvSpPr>
         <p:spPr>
           <a:xfrm>
-            <a:off x="4637467" y="2823143"/>
-            <a:ext cx="2756911" cy="1617953"/>
+            <a:off x="4656242" y="2816130"/>
+            <a:ext cx="3102606" cy="2267455"/>
           </a:xfrm>
           <a:prstGeom prst="rect">
             <a:avLst/>
@@ -22859,7 +22789,7 @@
         <p:spPr>
           <a:xfrm>
             <a:off x="4637649" y="2819818"/>
-            <a:ext cx="2756545" cy="590688"/>
+            <a:ext cx="3102194" cy="827810"/>
           </a:xfrm>
           <a:prstGeom prst="rect">
             <a:avLst/>
@@ -22890,8 +22820,8 @@
         </p:nvSpPr>
         <p:spPr>
           <a:xfrm>
-            <a:off x="4637284" y="2817187"/>
-            <a:ext cx="2756910" cy="593319"/>
+            <a:off x="4637283" y="2817187"/>
+            <a:ext cx="3102605" cy="831498"/>
           </a:xfrm>
           <a:prstGeom prst="rect">
             <a:avLst/>
@@ -23096,8 +23026,8 @@
         </p:nvSpPr>
         <p:spPr bwMode="auto">
           <a:xfrm>
-            <a:off x="4916212" y="3636426"/>
-            <a:ext cx="128588" cy="109538"/>
+            <a:off x="4916212" y="3783095"/>
+            <a:ext cx="144712" cy="153510"/>
           </a:xfrm>
           <a:custGeom>
             <a:avLst/>
@@ -23201,7 +23131,7 @@
           </a:bodyPr>
           <a:lstStyle/>
           <a:p>
-            <a:endParaRPr lang="en-GB"/>
+            <a:endParaRPr lang="en-GB" dirty="0"/>
           </a:p>
         </p:txBody>
       </p:sp>
@@ -23215,8 +23145,8 @@
         </p:nvSpPr>
         <p:spPr bwMode="auto">
           <a:xfrm>
-            <a:off x="4916212" y="3920588"/>
-            <a:ext cx="128588" cy="109538"/>
+            <a:off x="4907375" y="4031643"/>
+            <a:ext cx="144712" cy="153510"/>
           </a:xfrm>
           <a:custGeom>
             <a:avLst/>
@@ -23320,7 +23250,7 @@
           </a:bodyPr>
           <a:lstStyle/>
           <a:p>
-            <a:endParaRPr lang="en-GB"/>
+            <a:endParaRPr lang="en-GB" dirty="0"/>
           </a:p>
         </p:txBody>
       </p:sp>
@@ -23334,8 +23264,8 @@
         </p:nvSpPr>
         <p:spPr>
           <a:xfrm>
-            <a:off x="5256902" y="3511250"/>
-            <a:ext cx="1889419" cy="1338025"/>
+            <a:off x="5337215" y="3712359"/>
+            <a:ext cx="2126337" cy="1875154"/>
           </a:xfrm>
           <a:prstGeom prst="rect">
             <a:avLst/>
@@ -23486,7 +23416,7 @@
         <p:spPr>
           <a:xfrm>
             <a:off x="6920775" y="3022316"/>
-            <a:ext cx="225546" cy="230805"/>
+            <a:ext cx="253828" cy="323458"/>
           </a:xfrm>
           <a:custGeom>
             <a:avLst/>
@@ -23619,8 +23549,8 @@
         </p:nvSpPr>
         <p:spPr bwMode="auto">
           <a:xfrm>
-            <a:off x="898289" y="4161472"/>
-            <a:ext cx="128588" cy="109538"/>
+            <a:off x="911235" y="4317585"/>
+            <a:ext cx="161662" cy="156545"/>
           </a:xfrm>
           <a:custGeom>
             <a:avLst/>
@@ -23738,8 +23668,8 @@
         </p:nvSpPr>
         <p:spPr bwMode="auto">
           <a:xfrm>
-            <a:off x="4916212" y="4179446"/>
-            <a:ext cx="128588" cy="109538"/>
+            <a:off x="4916212" y="4320620"/>
+            <a:ext cx="144712" cy="153510"/>
           </a:xfrm>
           <a:custGeom>
             <a:avLst/>

--- a/Documentation/Demonstration/Demo - Final.pptx
+++ b/Documentation/Demonstration/Demo - Final.pptx
@@ -9154,10 +9154,9 @@
           <a:p>
             <a:pPr lvl="0"/>
             <a:r>
-              <a:rPr lang="en-GB" dirty="0" smtClean="0"/>
+              <a:rPr lang="en-GB" dirty="0"/>
               <a:t>Gitlab</a:t>
             </a:r>
-            <a:endParaRPr lang="en-GB" dirty="0"/>
           </a:p>
         </p:txBody>
       </p:sp>
@@ -20238,7 +20237,7 @@
         </p:nvSpPr>
         <p:spPr>
           <a:xfrm>
-            <a:off x="6622143" y="2286895"/>
+            <a:off x="6622143" y="1883793"/>
             <a:ext cx="4546209" cy="316603"/>
           </a:xfrm>
         </p:spPr>
@@ -20358,8 +20357,8 @@
         </p:nvSpPr>
         <p:spPr>
           <a:xfrm>
-            <a:off x="6622143" y="2646441"/>
-            <a:ext cx="3695700" cy="2693909"/>
+            <a:off x="6543594" y="2404796"/>
+            <a:ext cx="4624758" cy="3664418"/>
           </a:xfrm>
         </p:spPr>
         <p:txBody>
@@ -20376,7 +20375,7 @@
               <a:buChar char="•"/>
             </a:pPr>
             <a:r>
-              <a:rPr lang="en-GB" sz="1200" dirty="0">
+              <a:rPr lang="en-GB" sz="1500" dirty="0">
                 <a:solidFill>
                   <a:schemeClr val="tx1">
                     <a:lumMod val="75000"/>
@@ -20384,7 +20383,7 @@
                   </a:schemeClr>
                 </a:solidFill>
               </a:rPr>
-              <a:t>Global Rugby Network is a free team management software for rugby teams around the world.</a:t>
+              <a:t>Global Rugby Network is a free team management platform</a:t>
             </a:r>
           </a:p>
           <a:p>
@@ -20396,7 +20395,7 @@
               <a:buChar char="•"/>
             </a:pPr>
             <a:r>
-              <a:rPr lang="en-GB" sz="1200" dirty="0">
+              <a:rPr lang="en-GB" sz="1500" dirty="0">
                 <a:solidFill>
                   <a:schemeClr val="tx1">
                     <a:lumMod val="75000"/>
@@ -20404,7 +20403,7 @@
                   </a:schemeClr>
                 </a:solidFill>
               </a:rPr>
-              <a:t>Its aim, is to provide support to coaches, in order to create stronger, healthier and more successful teams.</a:t>
+              <a:t>Aims to provide support to coaches and develop healthier, stronger teams</a:t>
             </a:r>
           </a:p>
           <a:p>
@@ -20416,7 +20415,7 @@
               <a:buChar char="•"/>
             </a:pPr>
             <a:r>
-              <a:rPr lang="en-GB" sz="1200" dirty="0">
+              <a:rPr lang="en-GB" sz="1500" dirty="0">
                 <a:solidFill>
                   <a:schemeClr val="tx1">
                     <a:lumMod val="75000"/>
@@ -20424,7 +20423,7 @@
                   </a:schemeClr>
                 </a:solidFill>
               </a:rPr>
-              <a:t>Team consists of 7 members, all privileged enough to have played rugby on both professional and semi-professional teams.</a:t>
+              <a:t>7 members, all played rugby on both professional and semi-professional teams.</a:t>
             </a:r>
           </a:p>
           <a:p>
@@ -20436,7 +20435,7 @@
               <a:buChar char="•"/>
             </a:pPr>
             <a:r>
-              <a:rPr lang="en-GB" sz="1200" dirty="0">
+              <a:rPr lang="en-GB" sz="1500" dirty="0">
                 <a:solidFill>
                   <a:schemeClr val="tx1">
                     <a:lumMod val="75000"/>
@@ -20456,7 +20455,7 @@
               <a:buChar char="•"/>
             </a:pPr>
             <a:r>
-              <a:rPr lang="en-GB" sz="1200" dirty="0">
+              <a:rPr lang="en-GB" sz="1500" dirty="0">
                 <a:solidFill>
                   <a:schemeClr val="tx1">
                     <a:lumMod val="75000"/>
@@ -20476,7 +20475,7 @@
               <a:buChar char="•"/>
             </a:pPr>
             <a:r>
-              <a:rPr lang="en-GB" sz="1200" dirty="0">
+              <a:rPr lang="en-GB" sz="1500" dirty="0">
                 <a:solidFill>
                   <a:schemeClr val="tx1">
                     <a:lumMod val="75000"/>
@@ -21195,7 +21194,7 @@
         </p:nvSpPr>
         <p:spPr>
           <a:xfrm>
-            <a:off x="6622143" y="2286895"/>
+            <a:off x="6661417" y="1963692"/>
             <a:ext cx="4546209" cy="316603"/>
           </a:xfrm>
         </p:spPr>
@@ -21315,13 +21314,13 @@
         </p:nvSpPr>
         <p:spPr>
           <a:xfrm>
-            <a:off x="6622143" y="2646441"/>
-            <a:ext cx="3695700" cy="2693909"/>
+            <a:off x="6622143" y="2359919"/>
+            <a:ext cx="4624758" cy="3649428"/>
           </a:xfrm>
         </p:spPr>
         <p:txBody>
           <a:bodyPr>
-            <a:normAutofit/>
+            <a:normAutofit fontScale="92500" lnSpcReduction="10000"/>
           </a:bodyPr>
           <a:lstStyle/>
           <a:p>
@@ -21333,7 +21332,7 @@
               <a:buChar char="•"/>
             </a:pPr>
             <a:r>
-              <a:rPr lang="en-GB" sz="1200" dirty="0">
+              <a:rPr lang="en-GB" sz="1800" dirty="0">
                 <a:solidFill>
                   <a:schemeClr val="tx1">
                     <a:lumMod val="75000"/>
@@ -21353,7 +21352,7 @@
               <a:buChar char="•"/>
             </a:pPr>
             <a:r>
-              <a:rPr lang="en-GB" sz="1200" dirty="0">
+              <a:rPr lang="en-GB" sz="1800" dirty="0">
                 <a:solidFill>
                   <a:schemeClr val="tx1">
                     <a:lumMod val="75000"/>
@@ -21361,7 +21360,7 @@
                   </a:schemeClr>
                 </a:solidFill>
               </a:rPr>
-              <a:t>The aim of this application, is to provide users a way of interaction between them and their favourite rugby teams, clubs or even players</a:t>
+              <a:t>Aims to provide users a way of interacting with their favourite rugby teams, clubs or even players</a:t>
             </a:r>
           </a:p>
           <a:p>
@@ -21373,7 +21372,7 @@
               <a:buChar char="•"/>
             </a:pPr>
             <a:r>
-              <a:rPr lang="en-GB" sz="1200" dirty="0">
+              <a:rPr lang="en-GB" sz="1800" dirty="0">
                 <a:solidFill>
                   <a:schemeClr val="tx1">
                     <a:lumMod val="75000"/>
@@ -21381,7 +21380,47 @@
                   </a:schemeClr>
                 </a:solidFill>
               </a:rPr>
-              <a:t>Mainly two different target audiences, including the Profile-Owners and the Profile-followers.</a:t>
+              <a:t>Target audiences:</a:t>
+            </a:r>
+          </a:p>
+          <a:p>
+            <a:pPr marL="628650" lvl="1" indent="-171450">
+              <a:lnSpc>
+                <a:spcPct val="110000"/>
+              </a:lnSpc>
+              <a:buFont typeface="Arial" panose="020B0604020202020204" pitchFamily="34" charset="0"/>
+              <a:buChar char="•"/>
+            </a:pPr>
+            <a:r>
+              <a:rPr lang="en-GB" sz="1700" dirty="0">
+                <a:solidFill>
+                  <a:schemeClr val="tx1">
+                    <a:lumMod val="75000"/>
+                    <a:lumOff val="25000"/>
+                  </a:schemeClr>
+                </a:solidFill>
+              </a:rPr>
+              <a:t>Profile-Owners</a:t>
+            </a:r>
+          </a:p>
+          <a:p>
+            <a:pPr marL="628650" lvl="1" indent="-171450">
+              <a:lnSpc>
+                <a:spcPct val="110000"/>
+              </a:lnSpc>
+              <a:buFont typeface="Arial" panose="020B0604020202020204" pitchFamily="34" charset="0"/>
+              <a:buChar char="•"/>
+            </a:pPr>
+            <a:r>
+              <a:rPr lang="en-GB" sz="1700" dirty="0">
+                <a:solidFill>
+                  <a:schemeClr val="tx1">
+                    <a:lumMod val="75000"/>
+                    <a:lumOff val="25000"/>
+                  </a:schemeClr>
+                </a:solidFill>
+              </a:rPr>
+              <a:t>Profile-followers.</a:t>
             </a:r>
           </a:p>
           <a:p>
@@ -21393,7 +21432,7 @@
               <a:buChar char="•"/>
             </a:pPr>
             <a:r>
-              <a:rPr lang="en-GB" sz="1200" dirty="0">
+              <a:rPr lang="en-GB" sz="1800" dirty="0">
                 <a:solidFill>
                   <a:schemeClr val="tx1">
                     <a:lumMod val="75000"/>
@@ -21413,7 +21452,7 @@
               <a:buChar char="•"/>
             </a:pPr>
             <a:r>
-              <a:rPr lang="en-GB" sz="1200" dirty="0">
+              <a:rPr lang="en-GB" sz="1800" dirty="0">
                 <a:solidFill>
                   <a:schemeClr val="tx1">
                     <a:lumMod val="75000"/>
@@ -21421,17 +21460,8 @@
                   </a:schemeClr>
                 </a:solidFill>
               </a:rPr>
-              <a:t>Up to date, and live updates about favourite teams, clubs players, results, events and much more.</a:t>
-            </a:r>
-          </a:p>
-          <a:p>
-            <a:pPr marL="171450" indent="-171450">
-              <a:lnSpc>
-                <a:spcPct val="110000"/>
-              </a:lnSpc>
-              <a:buFont typeface="Arial" panose="020B0604020202020204" pitchFamily="34" charset="0"/>
-              <a:buChar char="•"/>
-            </a:pPr>
+              <a:t>Up to date, and live updates on favourite teams, clubs, players, results, event</a:t>
+            </a:r>
             <a:endParaRPr lang="en-GB" dirty="0"/>
           </a:p>
           <a:p>
@@ -21979,33 +22009,15 @@
                                   </p:childTnLst>
                                 </p:cTn>
                               </p:par>
-                            </p:childTnLst>
-                          </p:cTn>
-                        </p:par>
-                      </p:childTnLst>
-                    </p:cTn>
-                  </p:par>
-                  <p:par>
-                    <p:cTn id="34" fill="hold">
-                      <p:stCondLst>
-                        <p:cond delay="indefinite"/>
-                      </p:stCondLst>
-                      <p:childTnLst>
-                        <p:par>
-                          <p:cTn id="35" fill="hold">
-                            <p:stCondLst>
-                              <p:cond delay="0"/>
-                            </p:stCondLst>
-                            <p:childTnLst>
                               <p:par>
-                                <p:cTn id="36" presetID="10" presetClass="entr" presetSubtype="0" fill="hold" grpId="0" nodeType="clickEffect">
+                                <p:cTn id="34" presetID="10" presetClass="entr" presetSubtype="0" fill="hold" grpId="0" nodeType="withEffect">
                                   <p:stCondLst>
                                     <p:cond delay="0"/>
                                   </p:stCondLst>
                                   <p:childTnLst>
                                     <p:set>
                                       <p:cBhvr>
-                                        <p:cTn id="37" dur="1" fill="hold">
+                                        <p:cTn id="35" dur="1" fill="hold">
                                           <p:stCondLst>
                                             <p:cond delay="0"/>
                                           </p:stCondLst>
@@ -22027,7 +22039,7 @@
                                     </p:set>
                                     <p:animEffect transition="in" filter="fade">
                                       <p:cBhvr>
-                                        <p:cTn id="38" dur="500"/>
+                                        <p:cTn id="36" dur="500"/>
                                         <p:tgtEl>
                                           <p:spTgt spid="2">
                                             <p:txEl>
@@ -22040,33 +22052,15 @@
                                   </p:childTnLst>
                                 </p:cTn>
                               </p:par>
-                            </p:childTnLst>
-                          </p:cTn>
-                        </p:par>
-                      </p:childTnLst>
-                    </p:cTn>
-                  </p:par>
-                  <p:par>
-                    <p:cTn id="39" fill="hold">
-                      <p:stCondLst>
-                        <p:cond delay="indefinite"/>
-                      </p:stCondLst>
-                      <p:childTnLst>
-                        <p:par>
-                          <p:cTn id="40" fill="hold">
-                            <p:stCondLst>
-                              <p:cond delay="0"/>
-                            </p:stCondLst>
-                            <p:childTnLst>
                               <p:par>
-                                <p:cTn id="41" presetID="10" presetClass="entr" presetSubtype="0" fill="hold" grpId="0" nodeType="clickEffect">
+                                <p:cTn id="37" presetID="10" presetClass="entr" presetSubtype="0" fill="hold" grpId="0" nodeType="withEffect">
                                   <p:stCondLst>
                                     <p:cond delay="0"/>
                                   </p:stCondLst>
                                   <p:childTnLst>
                                     <p:set>
                                       <p:cBhvr>
-                                        <p:cTn id="42" dur="1" fill="hold">
+                                        <p:cTn id="38" dur="1" fill="hold">
                                           <p:stCondLst>
                                             <p:cond delay="0"/>
                                           </p:stCondLst>
@@ -22088,11 +22082,133 @@
                                     </p:set>
                                     <p:animEffect transition="in" filter="fade">
                                       <p:cBhvr>
-                                        <p:cTn id="43" dur="500"/>
+                                        <p:cTn id="39" dur="500"/>
                                         <p:tgtEl>
                                           <p:spTgt spid="2">
                                             <p:txEl>
                                               <p:pRg st="4" end="4"/>
+                                            </p:txEl>
+                                          </p:spTgt>
+                                        </p:tgtEl>
+                                      </p:cBhvr>
+                                    </p:animEffect>
+                                  </p:childTnLst>
+                                </p:cTn>
+                              </p:par>
+                            </p:childTnLst>
+                          </p:cTn>
+                        </p:par>
+                      </p:childTnLst>
+                    </p:cTn>
+                  </p:par>
+                  <p:par>
+                    <p:cTn id="40" fill="hold">
+                      <p:stCondLst>
+                        <p:cond delay="indefinite"/>
+                      </p:stCondLst>
+                      <p:childTnLst>
+                        <p:par>
+                          <p:cTn id="41" fill="hold">
+                            <p:stCondLst>
+                              <p:cond delay="0"/>
+                            </p:stCondLst>
+                            <p:childTnLst>
+                              <p:par>
+                                <p:cTn id="42" presetID="10" presetClass="entr" presetSubtype="0" fill="hold" grpId="0" nodeType="clickEffect">
+                                  <p:stCondLst>
+                                    <p:cond delay="0"/>
+                                  </p:stCondLst>
+                                  <p:childTnLst>
+                                    <p:set>
+                                      <p:cBhvr>
+                                        <p:cTn id="43" dur="1" fill="hold">
+                                          <p:stCondLst>
+                                            <p:cond delay="0"/>
+                                          </p:stCondLst>
+                                        </p:cTn>
+                                        <p:tgtEl>
+                                          <p:spTgt spid="2">
+                                            <p:txEl>
+                                              <p:pRg st="5" end="5"/>
+                                            </p:txEl>
+                                          </p:spTgt>
+                                        </p:tgtEl>
+                                        <p:attrNameLst>
+                                          <p:attrName>style.visibility</p:attrName>
+                                        </p:attrNameLst>
+                                      </p:cBhvr>
+                                      <p:to>
+                                        <p:strVal val="visible"/>
+                                      </p:to>
+                                    </p:set>
+                                    <p:animEffect transition="in" filter="fade">
+                                      <p:cBhvr>
+                                        <p:cTn id="44" dur="500"/>
+                                        <p:tgtEl>
+                                          <p:spTgt spid="2">
+                                            <p:txEl>
+                                              <p:pRg st="5" end="5"/>
+                                            </p:txEl>
+                                          </p:spTgt>
+                                        </p:tgtEl>
+                                      </p:cBhvr>
+                                    </p:animEffect>
+                                  </p:childTnLst>
+                                </p:cTn>
+                              </p:par>
+                            </p:childTnLst>
+                          </p:cTn>
+                        </p:par>
+                      </p:childTnLst>
+                    </p:cTn>
+                  </p:par>
+                  <p:par>
+                    <p:cTn id="45" fill="hold">
+                      <p:stCondLst>
+                        <p:cond delay="indefinite"/>
+                      </p:stCondLst>
+                      <p:childTnLst>
+                        <p:par>
+                          <p:cTn id="46" fill="hold">
+                            <p:stCondLst>
+                              <p:cond delay="0"/>
+                            </p:stCondLst>
+                            <p:childTnLst>
+                              <p:par>
+                                <p:cTn id="47" presetID="10" presetClass="entr" presetSubtype="0" fill="hold" grpId="0" nodeType="clickEffect">
+                                  <p:stCondLst>
+                                    <p:cond delay="0"/>
+                                  </p:stCondLst>
+                                  <p:childTnLst>
+                                    <p:set>
+                                      <p:cBhvr>
+                                        <p:cTn id="48" dur="1" fill="hold">
+                                          <p:stCondLst>
+                                            <p:cond delay="0"/>
+                                          </p:stCondLst>
+                                        </p:cTn>
+                                        <p:tgtEl>
+                                          <p:spTgt spid="2">
+                                            <p:txEl>
+                                              <p:pRg st="6" end="6"/>
+                                            </p:txEl>
+                                          </p:spTgt>
+                                        </p:tgtEl>
+                                        <p:attrNameLst>
+                                          <p:attrName>style.visibility</p:attrName>
+                                        </p:attrNameLst>
+                                      </p:cBhvr>
+                                      <p:to>
+                                        <p:strVal val="visible"/>
+                                      </p:to>
+                                    </p:set>
+                                    <p:animEffect transition="in" filter="fade">
+                                      <p:cBhvr>
+                                        <p:cTn id="49" dur="500"/>
+                                        <p:tgtEl>
+                                          <p:spTgt spid="2">
+                                            <p:txEl>
+                                              <p:pRg st="6" end="6"/>
                                             </p:txEl>
                                           </p:spTgt>
                                         </p:tgtEl>
@@ -23143,7 +23259,7 @@
                 </a:solidFill>
                 <a:latin typeface="Source Sans Pro" panose="020B0503030403020204"/>
               </a:rPr>
-              <a:t>Live updates</a:t>
+              <a:t>Fixtures</a:t>
             </a:r>
           </a:p>
         </p:txBody>
@@ -24899,10 +25015,9 @@
           <a:p>
             <a:pPr lvl="0"/>
             <a:r>
-              <a:rPr lang="en-GB" dirty="0" smtClean="0"/>
+              <a:rPr lang="en-GB" dirty="0"/>
               <a:t>Firebase</a:t>
             </a:r>
-            <a:endParaRPr lang="en-GB" dirty="0"/>
           </a:p>
         </p:txBody>
       </p:sp>
@@ -25095,10 +25210,9 @@
           <a:p>
             <a:pPr lvl="0"/>
             <a:r>
-              <a:rPr lang="en-GB" dirty="0" smtClean="0"/>
+              <a:rPr lang="en-GB" dirty="0"/>
               <a:t>Angular2</a:t>
             </a:r>
-            <a:endParaRPr lang="en-GB" dirty="0"/>
           </a:p>
         </p:txBody>
       </p:sp>
